--- a/Presentazione/OCR_CLI.pptx
+++ b/Presentazione/OCR_CLI.pptx
@@ -17950,7 +17950,7 @@
                 <a16:creationId xmlns:a16="http://schemas.microsoft.com/office/drawing/2014/main" id="{934F1179-B481-4F9E-BCA3-AFB972070F83}"/>
               </a:ext>
               <a:ext uri="{C183D7F6-B498-43B3-948B-1728B52AA6E4}">
-                <adec:decorative xmlns:adec="http://schemas.microsoft.com/office/drawing/2017/decorative" xmlns="" val="1"/>
+                <adec:decorative xmlns="" xmlns:adec="http://schemas.microsoft.com/office/drawing/2017/decorative" val="1"/>
               </a:ext>
             </a:extLst>
           </p:cNvPr>
@@ -18010,7 +18010,7 @@
                 <a16:creationId xmlns:a16="http://schemas.microsoft.com/office/drawing/2014/main" id="{827DC2C4-B485-428A-BF4A-472D2967F47F}"/>
               </a:ext>
               <a:ext uri="{C183D7F6-B498-43B3-948B-1728B52AA6E4}">
-                <adec:decorative xmlns:adec="http://schemas.microsoft.com/office/drawing/2017/decorative" xmlns="" val="1"/>
+                <adec:decorative xmlns="" xmlns:adec="http://schemas.microsoft.com/office/drawing/2017/decorative" val="1"/>
               </a:ext>
             </a:extLst>
           </p:cNvPr>
@@ -18073,7 +18073,7 @@
                 <a16:creationId xmlns:a16="http://schemas.microsoft.com/office/drawing/2014/main" id="{EE04B5EB-F158-4507-90DD-BD23620C7CC9}"/>
               </a:ext>
               <a:ext uri="{C183D7F6-B498-43B3-948B-1728B52AA6E4}">
-                <adec:decorative xmlns:adec="http://schemas.microsoft.com/office/drawing/2017/decorative" xmlns="" val="1"/>
+                <adec:decorative xmlns="" xmlns:adec="http://schemas.microsoft.com/office/drawing/2017/decorative" val="1"/>
               </a:ext>
             </a:extLst>
           </p:cNvPr>
@@ -18256,7 +18256,7 @@
                 <a16:creationId xmlns:a16="http://schemas.microsoft.com/office/drawing/2014/main" id="{68AF5748-FED8-45BA-8631-26D1D10F3246}"/>
               </a:ext>
               <a:ext uri="{C183D7F6-B498-43B3-948B-1728B52AA6E4}">
-                <adec:decorative xmlns:adec="http://schemas.microsoft.com/office/drawing/2017/decorative" xmlns="" val="1"/>
+                <adec:decorative xmlns="" xmlns:adec="http://schemas.microsoft.com/office/drawing/2017/decorative" val="1"/>
               </a:ext>
             </a:extLst>
           </p:cNvPr>
@@ -18391,7 +18391,7 @@
                 <a16:creationId xmlns:a16="http://schemas.microsoft.com/office/drawing/2014/main" id="{AF2F604E-43BE-4DC3-B983-E071523364F8}"/>
               </a:ext>
               <a:ext uri="{C183D7F6-B498-43B3-948B-1728B52AA6E4}">
-                <adec:decorative xmlns:adec="http://schemas.microsoft.com/office/drawing/2017/decorative" xmlns="" val="1"/>
+                <adec:decorative xmlns="" xmlns:adec="http://schemas.microsoft.com/office/drawing/2017/decorative" val="1"/>
               </a:ext>
             </a:extLst>
           </p:cNvPr>
@@ -18483,7 +18483,7 @@
                 <a16:creationId xmlns:a16="http://schemas.microsoft.com/office/drawing/2014/main" id="{08C9B587-E65E-4B52-B37C-ABEBB6E87928}"/>
               </a:ext>
               <a:ext uri="{C183D7F6-B498-43B3-948B-1728B52AA6E4}">
-                <adec:decorative xmlns:adec="http://schemas.microsoft.com/office/drawing/2017/decorative" xmlns="" val="1"/>
+                <adec:decorative xmlns="" xmlns:adec="http://schemas.microsoft.com/office/drawing/2017/decorative" val="1"/>
               </a:ext>
             </a:extLst>
           </p:cNvPr>
@@ -18634,7 +18634,7 @@
                 <a16:creationId xmlns:a16="http://schemas.microsoft.com/office/drawing/2014/main" id="{68AF5748-FED8-45BA-8631-26D1D10F3246}"/>
               </a:ext>
               <a:ext uri="{C183D7F6-B498-43B3-948B-1728B52AA6E4}">
-                <adec:decorative xmlns:adec="http://schemas.microsoft.com/office/drawing/2017/decorative" xmlns="" val="1"/>
+                <adec:decorative xmlns="" xmlns:adec="http://schemas.microsoft.com/office/drawing/2017/decorative" val="1"/>
               </a:ext>
             </a:extLst>
           </p:cNvPr>
@@ -18769,7 +18769,7 @@
                 <a16:creationId xmlns:a16="http://schemas.microsoft.com/office/drawing/2014/main" id="{AF2F604E-43BE-4DC3-B983-E071523364F8}"/>
               </a:ext>
               <a:ext uri="{C183D7F6-B498-43B3-948B-1728B52AA6E4}">
-                <adec:decorative xmlns:adec="http://schemas.microsoft.com/office/drawing/2017/decorative" xmlns="" val="1"/>
+                <adec:decorative xmlns="" xmlns:adec="http://schemas.microsoft.com/office/drawing/2017/decorative" val="1"/>
               </a:ext>
             </a:extLst>
           </p:cNvPr>
@@ -18861,7 +18861,7 @@
                 <a16:creationId xmlns:a16="http://schemas.microsoft.com/office/drawing/2014/main" id="{08C9B587-E65E-4B52-B37C-ABEBB6E87928}"/>
               </a:ext>
               <a:ext uri="{C183D7F6-B498-43B3-948B-1728B52AA6E4}">
-                <adec:decorative xmlns:adec="http://schemas.microsoft.com/office/drawing/2017/decorative" xmlns="" val="1"/>
+                <adec:decorative xmlns="" xmlns:adec="http://schemas.microsoft.com/office/drawing/2017/decorative" val="1"/>
               </a:ext>
             </a:extLst>
           </p:cNvPr>
@@ -19012,7 +19012,7 @@
                 <a16:creationId xmlns:a16="http://schemas.microsoft.com/office/drawing/2014/main" id="{68AF5748-FED8-45BA-8631-26D1D10F3246}"/>
               </a:ext>
               <a:ext uri="{C183D7F6-B498-43B3-948B-1728B52AA6E4}">
-                <adec:decorative xmlns:adec="http://schemas.microsoft.com/office/drawing/2017/decorative" xmlns="" val="1"/>
+                <adec:decorative xmlns="" xmlns:adec="http://schemas.microsoft.com/office/drawing/2017/decorative" val="1"/>
               </a:ext>
             </a:extLst>
           </p:cNvPr>
@@ -19147,7 +19147,7 @@
                 <a16:creationId xmlns:a16="http://schemas.microsoft.com/office/drawing/2014/main" id="{AF2F604E-43BE-4DC3-B983-E071523364F8}"/>
               </a:ext>
               <a:ext uri="{C183D7F6-B498-43B3-948B-1728B52AA6E4}">
-                <adec:decorative xmlns:adec="http://schemas.microsoft.com/office/drawing/2017/decorative" xmlns="" val="1"/>
+                <adec:decorative xmlns="" xmlns:adec="http://schemas.microsoft.com/office/drawing/2017/decorative" val="1"/>
               </a:ext>
             </a:extLst>
           </p:cNvPr>
@@ -19239,7 +19239,7 @@
                 <a16:creationId xmlns:a16="http://schemas.microsoft.com/office/drawing/2014/main" id="{08C9B587-E65E-4B52-B37C-ABEBB6E87928}"/>
               </a:ext>
               <a:ext uri="{C183D7F6-B498-43B3-948B-1728B52AA6E4}">
-                <adec:decorative xmlns:adec="http://schemas.microsoft.com/office/drawing/2017/decorative" xmlns="" val="1"/>
+                <adec:decorative xmlns="" xmlns:adec="http://schemas.microsoft.com/office/drawing/2017/decorative" val="1"/>
               </a:ext>
             </a:extLst>
           </p:cNvPr>
@@ -19390,7 +19390,7 @@
                 <a16:creationId xmlns:a16="http://schemas.microsoft.com/office/drawing/2014/main" id="{081EA652-8C6A-4E69-BEB9-170809474553}"/>
               </a:ext>
               <a:ext uri="{C183D7F6-B498-43B3-948B-1728B52AA6E4}">
-                <adec:decorative xmlns:adec="http://schemas.microsoft.com/office/drawing/2017/decorative" xmlns="" val="1"/>
+                <adec:decorative xmlns="" xmlns:adec="http://schemas.microsoft.com/office/drawing/2017/decorative" val="1"/>
               </a:ext>
             </a:extLst>
           </p:cNvPr>
@@ -19450,7 +19450,7 @@
                 <a16:creationId xmlns:a16="http://schemas.microsoft.com/office/drawing/2014/main" id="{5298780A-33B9-4EA2-8F67-DE68AD62841B}"/>
               </a:ext>
               <a:ext uri="{C183D7F6-B498-43B3-948B-1728B52AA6E4}">
-                <adec:decorative xmlns:adec="http://schemas.microsoft.com/office/drawing/2017/decorative" xmlns="" val="1"/>
+                <adec:decorative xmlns="" xmlns:adec="http://schemas.microsoft.com/office/drawing/2017/decorative" val="1"/>
               </a:ext>
             </a:extLst>
           </p:cNvPr>
@@ -19513,7 +19513,7 @@
                 <a16:creationId xmlns:a16="http://schemas.microsoft.com/office/drawing/2014/main" id="{7F488E8B-4E1E-4402-8935-D4E6C02615C7}"/>
               </a:ext>
               <a:ext uri="{C183D7F6-B498-43B3-948B-1728B52AA6E4}">
-                <adec:decorative xmlns:adec="http://schemas.microsoft.com/office/drawing/2017/decorative" xmlns="" val="1"/>
+                <adec:decorative xmlns="" xmlns:adec="http://schemas.microsoft.com/office/drawing/2017/decorative" val="1"/>
               </a:ext>
             </a:extLst>
           </p:cNvPr>
@@ -19615,7 +19615,7 @@
                 <a16:creationId xmlns:a16="http://schemas.microsoft.com/office/drawing/2014/main" id="{23AAC9B5-8015-485C-ACF9-A750390E9A56}"/>
               </a:ext>
               <a:ext uri="{C183D7F6-B498-43B3-948B-1728B52AA6E4}">
-                <adec:decorative xmlns:adec="http://schemas.microsoft.com/office/drawing/2017/decorative" xmlns="" val="1"/>
+                <adec:decorative xmlns="" xmlns:adec="http://schemas.microsoft.com/office/drawing/2017/decorative" val="1"/>
               </a:ext>
             </a:extLst>
           </p:cNvPr>
@@ -19790,7 +19790,7 @@
                 <a16:creationId xmlns:a16="http://schemas.microsoft.com/office/drawing/2014/main" id="{934F1179-B481-4F9E-BCA3-AFB972070F83}"/>
               </a:ext>
               <a:ext uri="{C183D7F6-B498-43B3-948B-1728B52AA6E4}">
-                <adec:decorative xmlns:adec="http://schemas.microsoft.com/office/drawing/2017/decorative" xmlns="" val="1"/>
+                <adec:decorative xmlns="" xmlns:adec="http://schemas.microsoft.com/office/drawing/2017/decorative" val="1"/>
               </a:ext>
             </a:extLst>
           </p:cNvPr>
@@ -19850,7 +19850,7 @@
                 <a16:creationId xmlns:a16="http://schemas.microsoft.com/office/drawing/2014/main" id="{827DC2C4-B485-428A-BF4A-472D2967F47F}"/>
               </a:ext>
               <a:ext uri="{C183D7F6-B498-43B3-948B-1728B52AA6E4}">
-                <adec:decorative xmlns:adec="http://schemas.microsoft.com/office/drawing/2017/decorative" xmlns="" val="1"/>
+                <adec:decorative xmlns="" xmlns:adec="http://schemas.microsoft.com/office/drawing/2017/decorative" val="1"/>
               </a:ext>
             </a:extLst>
           </p:cNvPr>
@@ -19913,7 +19913,7 @@
                 <a16:creationId xmlns:a16="http://schemas.microsoft.com/office/drawing/2014/main" id="{EE04B5EB-F158-4507-90DD-BD23620C7CC9}"/>
               </a:ext>
               <a:ext uri="{C183D7F6-B498-43B3-948B-1728B52AA6E4}">
-                <adec:decorative xmlns:adec="http://schemas.microsoft.com/office/drawing/2017/decorative" xmlns="" val="1"/>
+                <adec:decorative xmlns="" xmlns:adec="http://schemas.microsoft.com/office/drawing/2017/decorative" val="1"/>
               </a:ext>
             </a:extLst>
           </p:cNvPr>
@@ -20129,7 +20129,7 @@
                 <a16:creationId xmlns:a16="http://schemas.microsoft.com/office/drawing/2014/main" id="{081EA652-8C6A-4E69-BEB9-170809474553}"/>
               </a:ext>
               <a:ext uri="{C183D7F6-B498-43B3-948B-1728B52AA6E4}">
-                <adec:decorative xmlns:adec="http://schemas.microsoft.com/office/drawing/2017/decorative" xmlns="" val="1"/>
+                <adec:decorative xmlns="" xmlns:adec="http://schemas.microsoft.com/office/drawing/2017/decorative" val="1"/>
               </a:ext>
             </a:extLst>
           </p:cNvPr>
@@ -20189,7 +20189,7 @@
                 <a16:creationId xmlns:a16="http://schemas.microsoft.com/office/drawing/2014/main" id="{5298780A-33B9-4EA2-8F67-DE68AD62841B}"/>
               </a:ext>
               <a:ext uri="{C183D7F6-B498-43B3-948B-1728B52AA6E4}">
-                <adec:decorative xmlns:adec="http://schemas.microsoft.com/office/drawing/2017/decorative" xmlns="" val="1"/>
+                <adec:decorative xmlns="" xmlns:adec="http://schemas.microsoft.com/office/drawing/2017/decorative" val="1"/>
               </a:ext>
             </a:extLst>
           </p:cNvPr>
@@ -20252,7 +20252,7 @@
                 <a16:creationId xmlns:a16="http://schemas.microsoft.com/office/drawing/2014/main" id="{7F488E8B-4E1E-4402-8935-D4E6C02615C7}"/>
               </a:ext>
               <a:ext uri="{C183D7F6-B498-43B3-948B-1728B52AA6E4}">
-                <adec:decorative xmlns:adec="http://schemas.microsoft.com/office/drawing/2017/decorative" xmlns="" val="1"/>
+                <adec:decorative xmlns="" xmlns:adec="http://schemas.microsoft.com/office/drawing/2017/decorative" val="1"/>
               </a:ext>
             </a:extLst>
           </p:cNvPr>
@@ -20358,7 +20358,7 @@
                 <a16:creationId xmlns:a16="http://schemas.microsoft.com/office/drawing/2014/main" id="{23AAC9B5-8015-485C-ACF9-A750390E9A56}"/>
               </a:ext>
               <a:ext uri="{C183D7F6-B498-43B3-948B-1728B52AA6E4}">
-                <adec:decorative xmlns:adec="http://schemas.microsoft.com/office/drawing/2017/decorative" xmlns="" val="1"/>
+                <adec:decorative xmlns="" xmlns:adec="http://schemas.microsoft.com/office/drawing/2017/decorative" val="1"/>
               </a:ext>
             </a:extLst>
           </p:cNvPr>
@@ -20628,7 +20628,7 @@
                 <a16:creationId xmlns:a16="http://schemas.microsoft.com/office/drawing/2014/main" id="{081EA652-8C6A-4E69-BEB9-170809474553}"/>
               </a:ext>
               <a:ext uri="{C183D7F6-B498-43B3-948B-1728B52AA6E4}">
-                <adec:decorative xmlns:adec="http://schemas.microsoft.com/office/drawing/2017/decorative" xmlns="" val="1"/>
+                <adec:decorative xmlns="" xmlns:adec="http://schemas.microsoft.com/office/drawing/2017/decorative" val="1"/>
               </a:ext>
             </a:extLst>
           </p:cNvPr>
@@ -20688,7 +20688,7 @@
                 <a16:creationId xmlns:a16="http://schemas.microsoft.com/office/drawing/2014/main" id="{5298780A-33B9-4EA2-8F67-DE68AD62841B}"/>
               </a:ext>
               <a:ext uri="{C183D7F6-B498-43B3-948B-1728B52AA6E4}">
-                <adec:decorative xmlns:adec="http://schemas.microsoft.com/office/drawing/2017/decorative" xmlns="" val="1"/>
+                <adec:decorative xmlns="" xmlns:adec="http://schemas.microsoft.com/office/drawing/2017/decorative" val="1"/>
               </a:ext>
             </a:extLst>
           </p:cNvPr>
@@ -20751,7 +20751,7 @@
                 <a16:creationId xmlns:a16="http://schemas.microsoft.com/office/drawing/2014/main" id="{7F488E8B-4E1E-4402-8935-D4E6C02615C7}"/>
               </a:ext>
               <a:ext uri="{C183D7F6-B498-43B3-948B-1728B52AA6E4}">
-                <adec:decorative xmlns:adec="http://schemas.microsoft.com/office/drawing/2017/decorative" xmlns="" val="1"/>
+                <adec:decorative xmlns="" xmlns:adec="http://schemas.microsoft.com/office/drawing/2017/decorative" val="1"/>
               </a:ext>
             </a:extLst>
           </p:cNvPr>
@@ -20865,7 +20865,7 @@
                 <a16:creationId xmlns:a16="http://schemas.microsoft.com/office/drawing/2014/main" id="{23AAC9B5-8015-485C-ACF9-A750390E9A56}"/>
               </a:ext>
               <a:ext uri="{C183D7F6-B498-43B3-948B-1728B52AA6E4}">
-                <adec:decorative xmlns:adec="http://schemas.microsoft.com/office/drawing/2017/decorative" xmlns="" val="1"/>
+                <adec:decorative xmlns="" xmlns:adec="http://schemas.microsoft.com/office/drawing/2017/decorative" val="1"/>
               </a:ext>
             </a:extLst>
           </p:cNvPr>
@@ -21177,7 +21177,7 @@
                 <a16:creationId xmlns:a16="http://schemas.microsoft.com/office/drawing/2014/main" id="{081EA652-8C6A-4E69-BEB9-170809474553}"/>
               </a:ext>
               <a:ext uri="{C183D7F6-B498-43B3-948B-1728B52AA6E4}">
-                <adec:decorative xmlns:adec="http://schemas.microsoft.com/office/drawing/2017/decorative" xmlns="" val="1"/>
+                <adec:decorative xmlns="" xmlns:adec="http://schemas.microsoft.com/office/drawing/2017/decorative" val="1"/>
               </a:ext>
             </a:extLst>
           </p:cNvPr>
@@ -21237,7 +21237,7 @@
                 <a16:creationId xmlns:a16="http://schemas.microsoft.com/office/drawing/2014/main" id="{5298780A-33B9-4EA2-8F67-DE68AD62841B}"/>
               </a:ext>
               <a:ext uri="{C183D7F6-B498-43B3-948B-1728B52AA6E4}">
-                <adec:decorative xmlns:adec="http://schemas.microsoft.com/office/drawing/2017/decorative" xmlns="" val="1"/>
+                <adec:decorative xmlns="" xmlns:adec="http://schemas.microsoft.com/office/drawing/2017/decorative" val="1"/>
               </a:ext>
             </a:extLst>
           </p:cNvPr>
@@ -21300,7 +21300,7 @@
                 <a16:creationId xmlns:a16="http://schemas.microsoft.com/office/drawing/2014/main" id="{7F488E8B-4E1E-4402-8935-D4E6C02615C7}"/>
               </a:ext>
               <a:ext uri="{C183D7F6-B498-43B3-948B-1728B52AA6E4}">
-                <adec:decorative xmlns:adec="http://schemas.microsoft.com/office/drawing/2017/decorative" xmlns="" val="1"/>
+                <adec:decorative xmlns="" xmlns:adec="http://schemas.microsoft.com/office/drawing/2017/decorative" val="1"/>
               </a:ext>
             </a:extLst>
           </p:cNvPr>
@@ -21410,7 +21410,7 @@
                 <a16:creationId xmlns:a16="http://schemas.microsoft.com/office/drawing/2014/main" id="{23AAC9B5-8015-485C-ACF9-A750390E9A56}"/>
               </a:ext>
               <a:ext uri="{C183D7F6-B498-43B3-948B-1728B52AA6E4}">
-                <adec:decorative xmlns:adec="http://schemas.microsoft.com/office/drawing/2017/decorative" xmlns="" val="1"/>
+                <adec:decorative xmlns="" xmlns:adec="http://schemas.microsoft.com/office/drawing/2017/decorative" val="1"/>
               </a:ext>
             </a:extLst>
           </p:cNvPr>
@@ -21476,7 +21476,7 @@
         <p:spPr>
           <a:xfrm>
             <a:off x="4846073" y="1387543"/>
-            <a:ext cx="5918682" cy="4167134"/>
+            <a:ext cx="6700754" cy="4167134"/>
           </a:xfrm>
         </p:spPr>
         <p:txBody>
@@ -21488,49 +21488,70 @@
             <a:pPr marL="0" indent="0">
               <a:buNone/>
             </a:pPr>
-            <a:endParaRPr lang="it-CH" sz="2400" dirty="0"/>
+            <a:endParaRPr lang="it-CH" sz="1800" dirty="0"/>
           </a:p>
           <a:p>
             <a:pPr marL="0" indent="0">
               <a:buNone/>
             </a:pPr>
             <a:r>
-              <a:rPr lang="en-US" sz="1600" dirty="0" err="1">
+              <a:rPr lang="en-US" sz="1800" dirty="0" err="1">
+                <a:solidFill>
+                  <a:srgbClr val="0070C0"/>
+                </a:solidFill>
                 <a:latin typeface="Consolas" panose="020B0609020204030204" pitchFamily="49" charset="0"/>
               </a:rPr>
               <a:t>ocr</a:t>
             </a:r>
             <a:r>
-              <a:rPr lang="en-US" sz="1600" dirty="0">
+              <a:rPr lang="en-US" sz="1800" dirty="0">
+                <a:solidFill>
+                  <a:srgbClr val="0070C0"/>
+                </a:solidFill>
                 <a:latin typeface="Consolas" panose="020B0609020204030204" pitchFamily="49" charset="0"/>
               </a:rPr>
               <a:t> [-h] source [-</a:t>
             </a:r>
             <a:r>
-              <a:rPr lang="en-US" sz="1600" dirty="0" err="1">
+              <a:rPr lang="en-US" sz="1800" dirty="0" err="1">
+                <a:solidFill>
+                  <a:srgbClr val="0070C0"/>
+                </a:solidFill>
                 <a:latin typeface="Consolas" panose="020B0609020204030204" pitchFamily="49" charset="0"/>
               </a:rPr>
               <a:t>dest</a:t>
             </a:r>
             <a:r>
-              <a:rPr lang="en-US" sz="1600" dirty="0">
+              <a:rPr lang="en-US" sz="1800" dirty="0">
+                <a:solidFill>
+                  <a:srgbClr val="0070C0"/>
+                </a:solidFill>
                 <a:latin typeface="Consolas" panose="020B0609020204030204" pitchFamily="49" charset="0"/>
               </a:rPr>
               <a:t>] [-</a:t>
             </a:r>
             <a:r>
-              <a:rPr lang="en-US" sz="1600" dirty="0" err="1">
+              <a:rPr lang="en-US" sz="1800" dirty="0" err="1">
+                <a:solidFill>
+                  <a:srgbClr val="0070C0"/>
+                </a:solidFill>
                 <a:latin typeface="Consolas" panose="020B0609020204030204" pitchFamily="49" charset="0"/>
               </a:rPr>
               <a:t>lang</a:t>
             </a:r>
             <a:r>
-              <a:rPr lang="en-US" sz="1600" dirty="0">
+              <a:rPr lang="en-US" sz="1800" dirty="0">
+                <a:solidFill>
+                  <a:srgbClr val="0070C0"/>
+                </a:solidFill>
                 <a:latin typeface="Consolas" panose="020B0609020204030204" pitchFamily="49" charset="0"/>
               </a:rPr>
               <a:t>] [-prefix] [--stats]</a:t>
             </a:r>
-            <a:endParaRPr lang="it-CH" sz="1400" dirty="0">
+            <a:endParaRPr lang="it-CH" sz="1800" dirty="0">
+              <a:solidFill>
+                <a:srgbClr val="0070C0"/>
+              </a:solidFill>
               <a:latin typeface="Consolas" panose="020B0609020204030204" pitchFamily="49" charset="0"/>
             </a:endParaRPr>
           </a:p>
@@ -21589,7 +21610,7 @@
                 <a16:creationId xmlns:a16="http://schemas.microsoft.com/office/drawing/2014/main" id="{081EA652-8C6A-4E69-BEB9-170809474553}"/>
               </a:ext>
               <a:ext uri="{C183D7F6-B498-43B3-948B-1728B52AA6E4}">
-                <adec:decorative xmlns:adec="http://schemas.microsoft.com/office/drawing/2017/decorative" xmlns="" val="1"/>
+                <adec:decorative xmlns="" xmlns:adec="http://schemas.microsoft.com/office/drawing/2017/decorative" val="1"/>
               </a:ext>
             </a:extLst>
           </p:cNvPr>
@@ -21649,7 +21670,7 @@
                 <a16:creationId xmlns:a16="http://schemas.microsoft.com/office/drawing/2014/main" id="{5298780A-33B9-4EA2-8F67-DE68AD62841B}"/>
               </a:ext>
               <a:ext uri="{C183D7F6-B498-43B3-948B-1728B52AA6E4}">
-                <adec:decorative xmlns:adec="http://schemas.microsoft.com/office/drawing/2017/decorative" xmlns="" val="1"/>
+                <adec:decorative xmlns="" xmlns:adec="http://schemas.microsoft.com/office/drawing/2017/decorative" val="1"/>
               </a:ext>
             </a:extLst>
           </p:cNvPr>
@@ -21712,7 +21733,7 @@
                 <a16:creationId xmlns:a16="http://schemas.microsoft.com/office/drawing/2014/main" id="{7F488E8B-4E1E-4402-8935-D4E6C02615C7}"/>
               </a:ext>
               <a:ext uri="{C183D7F6-B498-43B3-948B-1728B52AA6E4}">
-                <adec:decorative xmlns:adec="http://schemas.microsoft.com/office/drawing/2017/decorative" xmlns="" val="1"/>
+                <adec:decorative xmlns="" xmlns:adec="http://schemas.microsoft.com/office/drawing/2017/decorative" val="1"/>
               </a:ext>
             </a:extLst>
           </p:cNvPr>
@@ -21815,7 +21836,7 @@
                 <a16:creationId xmlns:a16="http://schemas.microsoft.com/office/drawing/2014/main" id="{23AAC9B5-8015-485C-ACF9-A750390E9A56}"/>
               </a:ext>
               <a:ext uri="{C183D7F6-B498-43B3-948B-1728B52AA6E4}">
-                <adec:decorative xmlns:adec="http://schemas.microsoft.com/office/drawing/2017/decorative" xmlns="" val="1"/>
+                <adec:decorative xmlns="" xmlns:adec="http://schemas.microsoft.com/office/drawing/2017/decorative" val="1"/>
               </a:ext>
             </a:extLst>
           </p:cNvPr>
@@ -21940,7 +21961,7 @@
                 <a16:creationId xmlns:a16="http://schemas.microsoft.com/office/drawing/2014/main" id="{081EA652-8C6A-4E69-BEB9-170809474553}"/>
               </a:ext>
               <a:ext uri="{C183D7F6-B498-43B3-948B-1728B52AA6E4}">
-                <adec:decorative xmlns:adec="http://schemas.microsoft.com/office/drawing/2017/decorative" xmlns="" val="1"/>
+                <adec:decorative xmlns="" xmlns:adec="http://schemas.microsoft.com/office/drawing/2017/decorative" val="1"/>
               </a:ext>
             </a:extLst>
           </p:cNvPr>
@@ -22000,7 +22021,7 @@
                 <a16:creationId xmlns:a16="http://schemas.microsoft.com/office/drawing/2014/main" id="{5298780A-33B9-4EA2-8F67-DE68AD62841B}"/>
               </a:ext>
               <a:ext uri="{C183D7F6-B498-43B3-948B-1728B52AA6E4}">
-                <adec:decorative xmlns:adec="http://schemas.microsoft.com/office/drawing/2017/decorative" xmlns="" val="1"/>
+                <adec:decorative xmlns="" xmlns:adec="http://schemas.microsoft.com/office/drawing/2017/decorative" val="1"/>
               </a:ext>
             </a:extLst>
           </p:cNvPr>
@@ -22063,7 +22084,7 @@
                 <a16:creationId xmlns:a16="http://schemas.microsoft.com/office/drawing/2014/main" id="{7F488E8B-4E1E-4402-8935-D4E6C02615C7}"/>
               </a:ext>
               <a:ext uri="{C183D7F6-B498-43B3-948B-1728B52AA6E4}">
-                <adec:decorative xmlns:adec="http://schemas.microsoft.com/office/drawing/2017/decorative" xmlns="" val="1"/>
+                <adec:decorative xmlns="" xmlns:adec="http://schemas.microsoft.com/office/drawing/2017/decorative" val="1"/>
               </a:ext>
             </a:extLst>
           </p:cNvPr>
@@ -22165,7 +22186,7 @@
                 <a16:creationId xmlns:a16="http://schemas.microsoft.com/office/drawing/2014/main" id="{23AAC9B5-8015-485C-ACF9-A750390E9A56}"/>
               </a:ext>
               <a:ext uri="{C183D7F6-B498-43B3-948B-1728B52AA6E4}">
-                <adec:decorative xmlns:adec="http://schemas.microsoft.com/office/drawing/2017/decorative" xmlns="" val="1"/>
+                <adec:decorative xmlns="" xmlns:adec="http://schemas.microsoft.com/office/drawing/2017/decorative" val="1"/>
               </a:ext>
             </a:extLst>
           </p:cNvPr>
@@ -22290,7 +22311,7 @@
                 <a16:creationId xmlns:a16="http://schemas.microsoft.com/office/drawing/2014/main" id="{081EA652-8C6A-4E69-BEB9-170809474553}"/>
               </a:ext>
               <a:ext uri="{C183D7F6-B498-43B3-948B-1728B52AA6E4}">
-                <adec:decorative xmlns:adec="http://schemas.microsoft.com/office/drawing/2017/decorative" xmlns="" val="1"/>
+                <adec:decorative xmlns="" xmlns:adec="http://schemas.microsoft.com/office/drawing/2017/decorative" val="1"/>
               </a:ext>
             </a:extLst>
           </p:cNvPr>
@@ -22350,7 +22371,7 @@
                 <a16:creationId xmlns:a16="http://schemas.microsoft.com/office/drawing/2014/main" id="{5298780A-33B9-4EA2-8F67-DE68AD62841B}"/>
               </a:ext>
               <a:ext uri="{C183D7F6-B498-43B3-948B-1728B52AA6E4}">
-                <adec:decorative xmlns:adec="http://schemas.microsoft.com/office/drawing/2017/decorative" xmlns="" val="1"/>
+                <adec:decorative xmlns="" xmlns:adec="http://schemas.microsoft.com/office/drawing/2017/decorative" val="1"/>
               </a:ext>
             </a:extLst>
           </p:cNvPr>
@@ -22413,7 +22434,7 @@
                 <a16:creationId xmlns:a16="http://schemas.microsoft.com/office/drawing/2014/main" id="{7F488E8B-4E1E-4402-8935-D4E6C02615C7}"/>
               </a:ext>
               <a:ext uri="{C183D7F6-B498-43B3-948B-1728B52AA6E4}">
-                <adec:decorative xmlns:adec="http://schemas.microsoft.com/office/drawing/2017/decorative" xmlns="" val="1"/>
+                <adec:decorative xmlns="" xmlns:adec="http://schemas.microsoft.com/office/drawing/2017/decorative" val="1"/>
               </a:ext>
             </a:extLst>
           </p:cNvPr>
@@ -22515,7 +22536,7 @@
                 <a16:creationId xmlns:a16="http://schemas.microsoft.com/office/drawing/2014/main" id="{23AAC9B5-8015-485C-ACF9-A750390E9A56}"/>
               </a:ext>
               <a:ext uri="{C183D7F6-B498-43B3-948B-1728B52AA6E4}">
-                <adec:decorative xmlns:adec="http://schemas.microsoft.com/office/drawing/2017/decorative" xmlns="" val="1"/>
+                <adec:decorative xmlns="" xmlns:adec="http://schemas.microsoft.com/office/drawing/2017/decorative" val="1"/>
               </a:ext>
             </a:extLst>
           </p:cNvPr>
@@ -22707,7 +22728,7 @@
                 <a16:creationId xmlns:a16="http://schemas.microsoft.com/office/drawing/2014/main" id="{081EA652-8C6A-4E69-BEB9-170809474553}"/>
               </a:ext>
               <a:ext uri="{C183D7F6-B498-43B3-948B-1728B52AA6E4}">
-                <adec:decorative xmlns:adec="http://schemas.microsoft.com/office/drawing/2017/decorative" xmlns="" val="1"/>
+                <adec:decorative xmlns="" xmlns:adec="http://schemas.microsoft.com/office/drawing/2017/decorative" val="1"/>
               </a:ext>
             </a:extLst>
           </p:cNvPr>
@@ -22767,7 +22788,7 @@
                 <a16:creationId xmlns:a16="http://schemas.microsoft.com/office/drawing/2014/main" id="{5298780A-33B9-4EA2-8F67-DE68AD62841B}"/>
               </a:ext>
               <a:ext uri="{C183D7F6-B498-43B3-948B-1728B52AA6E4}">
-                <adec:decorative xmlns:adec="http://schemas.microsoft.com/office/drawing/2017/decorative" xmlns="" val="1"/>
+                <adec:decorative xmlns="" xmlns:adec="http://schemas.microsoft.com/office/drawing/2017/decorative" val="1"/>
               </a:ext>
             </a:extLst>
           </p:cNvPr>
@@ -22830,7 +22851,7 @@
                 <a16:creationId xmlns:a16="http://schemas.microsoft.com/office/drawing/2014/main" id="{7F488E8B-4E1E-4402-8935-D4E6C02615C7}"/>
               </a:ext>
               <a:ext uri="{C183D7F6-B498-43B3-948B-1728B52AA6E4}">
-                <adec:decorative xmlns:adec="http://schemas.microsoft.com/office/drawing/2017/decorative" xmlns="" val="1"/>
+                <adec:decorative xmlns="" xmlns:adec="http://schemas.microsoft.com/office/drawing/2017/decorative" val="1"/>
               </a:ext>
             </a:extLst>
           </p:cNvPr>
@@ -22933,7 +22954,7 @@
                 <a16:creationId xmlns:a16="http://schemas.microsoft.com/office/drawing/2014/main" id="{23AAC9B5-8015-485C-ACF9-A750390E9A56}"/>
               </a:ext>
               <a:ext uri="{C183D7F6-B498-43B3-948B-1728B52AA6E4}">
-                <adec:decorative xmlns:adec="http://schemas.microsoft.com/office/drawing/2017/decorative" xmlns="" val="1"/>
+                <adec:decorative xmlns="" xmlns:adec="http://schemas.microsoft.com/office/drawing/2017/decorative" val="1"/>
               </a:ext>
             </a:extLst>
           </p:cNvPr>
@@ -23051,7 +23072,7 @@
                 <a16:creationId xmlns:a16="http://schemas.microsoft.com/office/drawing/2014/main" id="{081EA652-8C6A-4E69-BEB9-170809474553}"/>
               </a:ext>
               <a:ext uri="{C183D7F6-B498-43B3-948B-1728B52AA6E4}">
-                <adec:decorative xmlns:adec="http://schemas.microsoft.com/office/drawing/2017/decorative" xmlns="" val="1"/>
+                <adec:decorative xmlns="" xmlns:adec="http://schemas.microsoft.com/office/drawing/2017/decorative" val="1"/>
               </a:ext>
             </a:extLst>
           </p:cNvPr>
@@ -23111,7 +23132,7 @@
                 <a16:creationId xmlns:a16="http://schemas.microsoft.com/office/drawing/2014/main" id="{5298780A-33B9-4EA2-8F67-DE68AD62841B}"/>
               </a:ext>
               <a:ext uri="{C183D7F6-B498-43B3-948B-1728B52AA6E4}">
-                <adec:decorative xmlns:adec="http://schemas.microsoft.com/office/drawing/2017/decorative" xmlns="" val="1"/>
+                <adec:decorative xmlns="" xmlns:adec="http://schemas.microsoft.com/office/drawing/2017/decorative" val="1"/>
               </a:ext>
             </a:extLst>
           </p:cNvPr>
@@ -23174,7 +23195,7 @@
                 <a16:creationId xmlns:a16="http://schemas.microsoft.com/office/drawing/2014/main" id="{7F488E8B-4E1E-4402-8935-D4E6C02615C7}"/>
               </a:ext>
               <a:ext uri="{C183D7F6-B498-43B3-948B-1728B52AA6E4}">
-                <adec:decorative xmlns:adec="http://schemas.microsoft.com/office/drawing/2017/decorative" xmlns="" val="1"/>
+                <adec:decorative xmlns="" xmlns:adec="http://schemas.microsoft.com/office/drawing/2017/decorative" val="1"/>
               </a:ext>
             </a:extLst>
           </p:cNvPr>
@@ -23285,7 +23306,7 @@
                 <a16:creationId xmlns:a16="http://schemas.microsoft.com/office/drawing/2014/main" id="{23AAC9B5-8015-485C-ACF9-A750390E9A56}"/>
               </a:ext>
               <a:ext uri="{C183D7F6-B498-43B3-948B-1728B52AA6E4}">
-                <adec:decorative xmlns:adec="http://schemas.microsoft.com/office/drawing/2017/decorative" xmlns="" val="1"/>
+                <adec:decorative xmlns="" xmlns:adec="http://schemas.microsoft.com/office/drawing/2017/decorative" val="1"/>
               </a:ext>
             </a:extLst>
           </p:cNvPr>
@@ -23444,7 +23465,7 @@
                 <a16:creationId xmlns:a16="http://schemas.microsoft.com/office/drawing/2014/main" id="{68AF5748-FED8-45BA-8631-26D1D10F3246}"/>
               </a:ext>
               <a:ext uri="{C183D7F6-B498-43B3-948B-1728B52AA6E4}">
-                <adec:decorative xmlns:adec="http://schemas.microsoft.com/office/drawing/2017/decorative" xmlns="" val="1"/>
+                <adec:decorative xmlns="" xmlns:adec="http://schemas.microsoft.com/office/drawing/2017/decorative" val="1"/>
               </a:ext>
             </a:extLst>
           </p:cNvPr>
@@ -23557,7 +23578,7 @@
                 <a16:creationId xmlns:a16="http://schemas.microsoft.com/office/drawing/2014/main" id="{AF2F604E-43BE-4DC3-B983-E071523364F8}"/>
               </a:ext>
               <a:ext uri="{C183D7F6-B498-43B3-948B-1728B52AA6E4}">
-                <adec:decorative xmlns:adec="http://schemas.microsoft.com/office/drawing/2017/decorative" xmlns="" val="1"/>
+                <adec:decorative xmlns="" xmlns:adec="http://schemas.microsoft.com/office/drawing/2017/decorative" val="1"/>
               </a:ext>
             </a:extLst>
           </p:cNvPr>
@@ -23649,7 +23670,7 @@
                 <a16:creationId xmlns:a16="http://schemas.microsoft.com/office/drawing/2014/main" id="{08C9B587-E65E-4B52-B37C-ABEBB6E87928}"/>
               </a:ext>
               <a:ext uri="{C183D7F6-B498-43B3-948B-1728B52AA6E4}">
-                <adec:decorative xmlns:adec="http://schemas.microsoft.com/office/drawing/2017/decorative" xmlns="" val="1"/>
+                <adec:decorative xmlns="" xmlns:adec="http://schemas.microsoft.com/office/drawing/2017/decorative" val="1"/>
               </a:ext>
             </a:extLst>
           </p:cNvPr>
@@ -23799,7 +23820,7 @@
                 <a16:creationId xmlns:a16="http://schemas.microsoft.com/office/drawing/2014/main" id="{934F1179-B481-4F9E-BCA3-AFB972070F83}"/>
               </a:ext>
               <a:ext uri="{C183D7F6-B498-43B3-948B-1728B52AA6E4}">
-                <adec:decorative xmlns:adec="http://schemas.microsoft.com/office/drawing/2017/decorative" xmlns="" val="1"/>
+                <adec:decorative xmlns="" xmlns:adec="http://schemas.microsoft.com/office/drawing/2017/decorative" val="1"/>
               </a:ext>
             </a:extLst>
           </p:cNvPr>
@@ -23859,7 +23880,7 @@
                 <a16:creationId xmlns:a16="http://schemas.microsoft.com/office/drawing/2014/main" id="{827DC2C4-B485-428A-BF4A-472D2967F47F}"/>
               </a:ext>
               <a:ext uri="{C183D7F6-B498-43B3-948B-1728B52AA6E4}">
-                <adec:decorative xmlns:adec="http://schemas.microsoft.com/office/drawing/2017/decorative" xmlns="" val="1"/>
+                <adec:decorative xmlns="" xmlns:adec="http://schemas.microsoft.com/office/drawing/2017/decorative" val="1"/>
               </a:ext>
             </a:extLst>
           </p:cNvPr>
@@ -23922,7 +23943,7 @@
                 <a16:creationId xmlns:a16="http://schemas.microsoft.com/office/drawing/2014/main" id="{EE04B5EB-F158-4507-90DD-BD23620C7CC9}"/>
               </a:ext>
               <a:ext uri="{C183D7F6-B498-43B3-948B-1728B52AA6E4}">
-                <adec:decorative xmlns:adec="http://schemas.microsoft.com/office/drawing/2017/decorative" xmlns="" val="1"/>
+                <adec:decorative xmlns="" xmlns:adec="http://schemas.microsoft.com/office/drawing/2017/decorative" val="1"/>
               </a:ext>
             </a:extLst>
           </p:cNvPr>
@@ -24068,7 +24089,7 @@
                 <a16:creationId xmlns:a16="http://schemas.microsoft.com/office/drawing/2014/main" id="{934F1179-B481-4F9E-BCA3-AFB972070F83}"/>
               </a:ext>
               <a:ext uri="{C183D7F6-B498-43B3-948B-1728B52AA6E4}">
-                <adec:decorative xmlns:adec="http://schemas.microsoft.com/office/drawing/2017/decorative" xmlns="" val="1"/>
+                <adec:decorative xmlns="" xmlns:adec="http://schemas.microsoft.com/office/drawing/2017/decorative" val="1"/>
               </a:ext>
             </a:extLst>
           </p:cNvPr>
@@ -24128,7 +24149,7 @@
                 <a16:creationId xmlns:a16="http://schemas.microsoft.com/office/drawing/2014/main" id="{827DC2C4-B485-428A-BF4A-472D2967F47F}"/>
               </a:ext>
               <a:ext uri="{C183D7F6-B498-43B3-948B-1728B52AA6E4}">
-                <adec:decorative xmlns:adec="http://schemas.microsoft.com/office/drawing/2017/decorative" xmlns="" val="1"/>
+                <adec:decorative xmlns="" xmlns:adec="http://schemas.microsoft.com/office/drawing/2017/decorative" val="1"/>
               </a:ext>
             </a:extLst>
           </p:cNvPr>
@@ -24191,7 +24212,7 @@
                 <a16:creationId xmlns:a16="http://schemas.microsoft.com/office/drawing/2014/main" id="{EE04B5EB-F158-4507-90DD-BD23620C7CC9}"/>
               </a:ext>
               <a:ext uri="{C183D7F6-B498-43B3-948B-1728B52AA6E4}">
-                <adec:decorative xmlns:adec="http://schemas.microsoft.com/office/drawing/2017/decorative" xmlns="" val="1"/>
+                <adec:decorative xmlns="" xmlns:adec="http://schemas.microsoft.com/office/drawing/2017/decorative" val="1"/>
               </a:ext>
             </a:extLst>
           </p:cNvPr>
@@ -24337,7 +24358,7 @@
                 <a16:creationId xmlns:a16="http://schemas.microsoft.com/office/drawing/2014/main" id="{081EA652-8C6A-4E69-BEB9-170809474553}"/>
               </a:ext>
               <a:ext uri="{C183D7F6-B498-43B3-948B-1728B52AA6E4}">
-                <adec:decorative xmlns:adec="http://schemas.microsoft.com/office/drawing/2017/decorative" xmlns="" val="1"/>
+                <adec:decorative xmlns="" xmlns:adec="http://schemas.microsoft.com/office/drawing/2017/decorative" val="1"/>
               </a:ext>
             </a:extLst>
           </p:cNvPr>
@@ -24397,7 +24418,7 @@
                 <a16:creationId xmlns:a16="http://schemas.microsoft.com/office/drawing/2014/main" id="{5298780A-33B9-4EA2-8F67-DE68AD62841B}"/>
               </a:ext>
               <a:ext uri="{C183D7F6-B498-43B3-948B-1728B52AA6E4}">
-                <adec:decorative xmlns:adec="http://schemas.microsoft.com/office/drawing/2017/decorative" xmlns="" val="1"/>
+                <adec:decorative xmlns="" xmlns:adec="http://schemas.microsoft.com/office/drawing/2017/decorative" val="1"/>
               </a:ext>
             </a:extLst>
           </p:cNvPr>
@@ -24460,7 +24481,7 @@
                 <a16:creationId xmlns:a16="http://schemas.microsoft.com/office/drawing/2014/main" id="{7F488E8B-4E1E-4402-8935-D4E6C02615C7}"/>
               </a:ext>
               <a:ext uri="{C183D7F6-B498-43B3-948B-1728B52AA6E4}">
-                <adec:decorative xmlns:adec="http://schemas.microsoft.com/office/drawing/2017/decorative" xmlns="" val="1"/>
+                <adec:decorative xmlns="" xmlns:adec="http://schemas.microsoft.com/office/drawing/2017/decorative" val="1"/>
               </a:ext>
             </a:extLst>
           </p:cNvPr>
@@ -24562,7 +24583,7 @@
                 <a16:creationId xmlns:a16="http://schemas.microsoft.com/office/drawing/2014/main" id="{23AAC9B5-8015-485C-ACF9-A750390E9A56}"/>
               </a:ext>
               <a:ext uri="{C183D7F6-B498-43B3-948B-1728B52AA6E4}">
-                <adec:decorative xmlns:adec="http://schemas.microsoft.com/office/drawing/2017/decorative" xmlns="" val="1"/>
+                <adec:decorative xmlns="" xmlns:adec="http://schemas.microsoft.com/office/drawing/2017/decorative" val="1"/>
               </a:ext>
             </a:extLst>
           </p:cNvPr>
@@ -24693,7 +24714,7 @@
                 <a16:creationId xmlns:a16="http://schemas.microsoft.com/office/drawing/2014/main" id="{081EA652-8C6A-4E69-BEB9-170809474553}"/>
               </a:ext>
               <a:ext uri="{C183D7F6-B498-43B3-948B-1728B52AA6E4}">
-                <adec:decorative xmlns:adec="http://schemas.microsoft.com/office/drawing/2017/decorative" xmlns="" val="1"/>
+                <adec:decorative xmlns="" xmlns:adec="http://schemas.microsoft.com/office/drawing/2017/decorative" val="1"/>
               </a:ext>
             </a:extLst>
           </p:cNvPr>
@@ -24753,7 +24774,7 @@
                 <a16:creationId xmlns:a16="http://schemas.microsoft.com/office/drawing/2014/main" id="{5298780A-33B9-4EA2-8F67-DE68AD62841B}"/>
               </a:ext>
               <a:ext uri="{C183D7F6-B498-43B3-948B-1728B52AA6E4}">
-                <adec:decorative xmlns:adec="http://schemas.microsoft.com/office/drawing/2017/decorative" xmlns="" val="1"/>
+                <adec:decorative xmlns="" xmlns:adec="http://schemas.microsoft.com/office/drawing/2017/decorative" val="1"/>
               </a:ext>
             </a:extLst>
           </p:cNvPr>
@@ -24816,7 +24837,7 @@
                 <a16:creationId xmlns:a16="http://schemas.microsoft.com/office/drawing/2014/main" id="{7F488E8B-4E1E-4402-8935-D4E6C02615C7}"/>
               </a:ext>
               <a:ext uri="{C183D7F6-B498-43B3-948B-1728B52AA6E4}">
-                <adec:decorative xmlns:adec="http://schemas.microsoft.com/office/drawing/2017/decorative" xmlns="" val="1"/>
+                <adec:decorative xmlns="" xmlns:adec="http://schemas.microsoft.com/office/drawing/2017/decorative" val="1"/>
               </a:ext>
             </a:extLst>
           </p:cNvPr>
@@ -25114,7 +25135,7 @@
                 <a16:creationId xmlns:a16="http://schemas.microsoft.com/office/drawing/2014/main" id="{934F1179-B481-4F9E-BCA3-AFB972070F83}"/>
               </a:ext>
               <a:ext uri="{C183D7F6-B498-43B3-948B-1728B52AA6E4}">
-                <adec:decorative xmlns:adec="http://schemas.microsoft.com/office/drawing/2017/decorative" xmlns="" val="1"/>
+                <adec:decorative xmlns="" xmlns:adec="http://schemas.microsoft.com/office/drawing/2017/decorative" val="1"/>
               </a:ext>
             </a:extLst>
           </p:cNvPr>
@@ -25174,7 +25195,7 @@
                 <a16:creationId xmlns:a16="http://schemas.microsoft.com/office/drawing/2014/main" id="{827DC2C4-B485-428A-BF4A-472D2967F47F}"/>
               </a:ext>
               <a:ext uri="{C183D7F6-B498-43B3-948B-1728B52AA6E4}">
-                <adec:decorative xmlns:adec="http://schemas.microsoft.com/office/drawing/2017/decorative" xmlns="" val="1"/>
+                <adec:decorative xmlns="" xmlns:adec="http://schemas.microsoft.com/office/drawing/2017/decorative" val="1"/>
               </a:ext>
             </a:extLst>
           </p:cNvPr>
@@ -25237,7 +25258,7 @@
                 <a16:creationId xmlns:a16="http://schemas.microsoft.com/office/drawing/2014/main" id="{EE04B5EB-F158-4507-90DD-BD23620C7CC9}"/>
               </a:ext>
               <a:ext uri="{C183D7F6-B498-43B3-948B-1728B52AA6E4}">
-                <adec:decorative xmlns:adec="http://schemas.microsoft.com/office/drawing/2017/decorative" xmlns="" val="1"/>
+                <adec:decorative xmlns="" xmlns:adec="http://schemas.microsoft.com/office/drawing/2017/decorative" val="1"/>
               </a:ext>
             </a:extLst>
           </p:cNvPr>
@@ -25433,7 +25454,7 @@
                 <a16:creationId xmlns:a16="http://schemas.microsoft.com/office/drawing/2014/main" id="{F170E346-B98B-43A6-A4DA-D36FF63284B3}"/>
               </a:ext>
               <a:ext uri="{C183D7F6-B498-43B3-948B-1728B52AA6E4}">
-                <adec:decorative xmlns:adec="http://schemas.microsoft.com/office/drawing/2017/decorative" xmlns="" val="1"/>
+                <adec:decorative xmlns="" xmlns:adec="http://schemas.microsoft.com/office/drawing/2017/decorative" val="1"/>
               </a:ext>
             </a:extLst>
           </p:cNvPr>
@@ -25642,7 +25663,7 @@
                 <a16:creationId xmlns:a16="http://schemas.microsoft.com/office/drawing/2014/main" id="{0ACDB3CA-62BA-4187-A0BD-732DFF710277}"/>
               </a:ext>
               <a:ext uri="{C183D7F6-B498-43B3-948B-1728B52AA6E4}">
-                <adec:decorative xmlns:adec="http://schemas.microsoft.com/office/drawing/2017/decorative" xmlns="" val="1"/>
+                <adec:decorative xmlns="" xmlns:adec="http://schemas.microsoft.com/office/drawing/2017/decorative" val="1"/>
               </a:ext>
             </a:extLst>
           </p:cNvPr>
@@ -25851,7 +25872,7 @@
                 <a16:creationId xmlns:a16="http://schemas.microsoft.com/office/drawing/2014/main" id="{0ACDB3CA-62BA-4187-A0BD-732DFF710277}"/>
               </a:ext>
               <a:ext uri="{C183D7F6-B498-43B3-948B-1728B52AA6E4}">
-                <adec:decorative xmlns:adec="http://schemas.microsoft.com/office/drawing/2017/decorative" xmlns="" val="1"/>
+                <adec:decorative xmlns="" xmlns:adec="http://schemas.microsoft.com/office/drawing/2017/decorative" val="1"/>
               </a:ext>
             </a:extLst>
           </p:cNvPr>
@@ -26017,7 +26038,7 @@
                 <a16:creationId xmlns:a16="http://schemas.microsoft.com/office/drawing/2014/main" id="{68AF5748-FED8-45BA-8631-26D1D10F3246}"/>
               </a:ext>
               <a:ext uri="{C183D7F6-B498-43B3-948B-1728B52AA6E4}">
-                <adec:decorative xmlns:adec="http://schemas.microsoft.com/office/drawing/2017/decorative" xmlns="" val="1"/>
+                <adec:decorative xmlns="" xmlns:adec="http://schemas.microsoft.com/office/drawing/2017/decorative" val="1"/>
               </a:ext>
             </a:extLst>
           </p:cNvPr>
@@ -26156,7 +26177,7 @@
                 <a16:creationId xmlns:a16="http://schemas.microsoft.com/office/drawing/2014/main" id="{AF2F604E-43BE-4DC3-B983-E071523364F8}"/>
               </a:ext>
               <a:ext uri="{C183D7F6-B498-43B3-948B-1728B52AA6E4}">
-                <adec:decorative xmlns:adec="http://schemas.microsoft.com/office/drawing/2017/decorative" xmlns="" val="1"/>
+                <adec:decorative xmlns="" xmlns:adec="http://schemas.microsoft.com/office/drawing/2017/decorative" val="1"/>
               </a:ext>
             </a:extLst>
           </p:cNvPr>
@@ -26248,7 +26269,7 @@
                 <a16:creationId xmlns:a16="http://schemas.microsoft.com/office/drawing/2014/main" id="{08C9B587-E65E-4B52-B37C-ABEBB6E87928}"/>
               </a:ext>
               <a:ext uri="{C183D7F6-B498-43B3-948B-1728B52AA6E4}">
-                <adec:decorative xmlns:adec="http://schemas.microsoft.com/office/drawing/2017/decorative" xmlns="" val="1"/>
+                <adec:decorative xmlns="" xmlns:adec="http://schemas.microsoft.com/office/drawing/2017/decorative" val="1"/>
               </a:ext>
             </a:extLst>
           </p:cNvPr>
